--- a/ppt_table_1eg.pptx
+++ b/ppt_table_1eg.pptx
@@ -3461,7 +3461,7 @@
                           <a:ea typeface="宋体" panose="02010600030101010101" pitchFamily="2" charset="-122"/>
                           <a:cs typeface="Arial" panose="020B0604020202090204" pitchFamily="34" charset="0"/>
                         </a:rPr>
-                        <a:t>0.00</a:t>
+                        <a:t>0.01</a:t>
                       </a:r>
                       <a:endParaRPr lang="zh-CN" altLang="en-US" sz="900" b="0" i="0" dirty="0">
                         <a:latin typeface="Arial" panose="020B0604020202090204" pitchFamily="34" charset="0"/>
